--- a/立志擺上.pptx
+++ b/立志擺上.pptx
@@ -107,6 +107,11 @@
       </a:defRPr>
     </a:lvl9pPr>
   </p:defaultTextStyle>
+  <p:extLst>
+    <p:ext uri="{EFAFB233-063F-42B5-8137-9DF3F51BA10A}">
+      <p15:sldGuideLst xmlns:p15="http://schemas.microsoft.com/office/powerpoint/2012/main"/>
+    </p:ext>
+  </p:extLst>
 </p:presentation>
 </file>
 
@@ -291,7 +296,7 @@
           <a:p>
             <a:fld id="{F79D53CB-5C22-4A4B-9D0A-4E149AEBED90}" type="datetimeFigureOut">
               <a:rPr lang="vi-VN" smtClean="0"/>
-              <a:t>06/06/2020</a:t>
+              <a:t>18/07/2020</a:t>
             </a:fld>
             <a:endParaRPr lang="vi-VN"/>
           </a:p>
@@ -461,7 +466,7 @@
           <a:p>
             <a:fld id="{F79D53CB-5C22-4A4B-9D0A-4E149AEBED90}" type="datetimeFigureOut">
               <a:rPr lang="vi-VN" smtClean="0"/>
-              <a:t>06/06/2020</a:t>
+              <a:t>18/07/2020</a:t>
             </a:fld>
             <a:endParaRPr lang="vi-VN"/>
           </a:p>
@@ -641,7 +646,7 @@
           <a:p>
             <a:fld id="{F79D53CB-5C22-4A4B-9D0A-4E149AEBED90}" type="datetimeFigureOut">
               <a:rPr lang="vi-VN" smtClean="0"/>
-              <a:t>06/06/2020</a:t>
+              <a:t>18/07/2020</a:t>
             </a:fld>
             <a:endParaRPr lang="vi-VN"/>
           </a:p>
@@ -811,7 +816,7 @@
           <a:p>
             <a:fld id="{F79D53CB-5C22-4A4B-9D0A-4E149AEBED90}" type="datetimeFigureOut">
               <a:rPr lang="vi-VN" smtClean="0"/>
-              <a:t>06/06/2020</a:t>
+              <a:t>18/07/2020</a:t>
             </a:fld>
             <a:endParaRPr lang="vi-VN"/>
           </a:p>
@@ -1057,7 +1062,7 @@
           <a:p>
             <a:fld id="{F79D53CB-5C22-4A4B-9D0A-4E149AEBED90}" type="datetimeFigureOut">
               <a:rPr lang="vi-VN" smtClean="0"/>
-              <a:t>06/06/2020</a:t>
+              <a:t>18/07/2020</a:t>
             </a:fld>
             <a:endParaRPr lang="vi-VN"/>
           </a:p>
@@ -1345,7 +1350,7 @@
           <a:p>
             <a:fld id="{F79D53CB-5C22-4A4B-9D0A-4E149AEBED90}" type="datetimeFigureOut">
               <a:rPr lang="vi-VN" smtClean="0"/>
-              <a:t>06/06/2020</a:t>
+              <a:t>18/07/2020</a:t>
             </a:fld>
             <a:endParaRPr lang="vi-VN"/>
           </a:p>
@@ -1767,7 +1772,7 @@
           <a:p>
             <a:fld id="{F79D53CB-5C22-4A4B-9D0A-4E149AEBED90}" type="datetimeFigureOut">
               <a:rPr lang="vi-VN" smtClean="0"/>
-              <a:t>06/06/2020</a:t>
+              <a:t>18/07/2020</a:t>
             </a:fld>
             <a:endParaRPr lang="vi-VN"/>
           </a:p>
@@ -1885,7 +1890,7 @@
           <a:p>
             <a:fld id="{F79D53CB-5C22-4A4B-9D0A-4E149AEBED90}" type="datetimeFigureOut">
               <a:rPr lang="vi-VN" smtClean="0"/>
-              <a:t>06/06/2020</a:t>
+              <a:t>18/07/2020</a:t>
             </a:fld>
             <a:endParaRPr lang="vi-VN"/>
           </a:p>
@@ -1980,7 +1985,7 @@
           <a:p>
             <a:fld id="{F79D53CB-5C22-4A4B-9D0A-4E149AEBED90}" type="datetimeFigureOut">
               <a:rPr lang="vi-VN" smtClean="0"/>
-              <a:t>06/06/2020</a:t>
+              <a:t>18/07/2020</a:t>
             </a:fld>
             <a:endParaRPr lang="vi-VN"/>
           </a:p>
@@ -2257,7 +2262,7 @@
           <a:p>
             <a:fld id="{F79D53CB-5C22-4A4B-9D0A-4E149AEBED90}" type="datetimeFigureOut">
               <a:rPr lang="vi-VN" smtClean="0"/>
-              <a:t>06/06/2020</a:t>
+              <a:t>18/07/2020</a:t>
             </a:fld>
             <a:endParaRPr lang="vi-VN"/>
           </a:p>
@@ -2514,7 +2519,7 @@
           <a:p>
             <a:fld id="{F79D53CB-5C22-4A4B-9D0A-4E149AEBED90}" type="datetimeFigureOut">
               <a:rPr lang="vi-VN" smtClean="0"/>
-              <a:t>06/06/2020</a:t>
+              <a:t>18/07/2020</a:t>
             </a:fld>
             <a:endParaRPr lang="vi-VN"/>
           </a:p>
@@ -2732,7 +2737,7 @@
           <a:p>
             <a:fld id="{F79D53CB-5C22-4A4B-9D0A-4E149AEBED90}" type="datetimeFigureOut">
               <a:rPr lang="vi-VN" smtClean="0"/>
-              <a:t>06/06/2020</a:t>
+              <a:t>18/07/2020</a:t>
             </a:fld>
             <a:endParaRPr lang="vi-VN"/>
           </a:p>
@@ -3162,7 +3167,21 @@
                 <a:latin typeface="Microsoft JhengHei" panose="020B0604030504040204" pitchFamily="34" charset="-120"/>
                 <a:ea typeface="Microsoft JhengHei" panose="020B0604030504040204" pitchFamily="34" charset="-120"/>
               </a:rPr>
-              <a:t>曾擺上 傾出大愛 </a:t>
+              <a:t>曾擺上 </a:t>
+            </a:r>
+            <a:r>
+              <a:rPr lang="zh-TW" altLang="en-US" sz="5400" b="1" dirty="0" smtClean="0">
+                <a:latin typeface="Microsoft JhengHei" panose="020B0604030504040204" pitchFamily="34" charset="-120"/>
+                <a:ea typeface="Microsoft JhengHei" panose="020B0604030504040204" pitchFamily="34" charset="-120"/>
+              </a:rPr>
+              <a:t> 傾</a:t>
+            </a:r>
+            <a:r>
+              <a:rPr lang="zh-TW" altLang="en-US" sz="5400" b="1" dirty="0">
+                <a:latin typeface="Microsoft JhengHei" panose="020B0604030504040204" pitchFamily="34" charset="-120"/>
+                <a:ea typeface="Microsoft JhengHei" panose="020B0604030504040204" pitchFamily="34" charset="-120"/>
+              </a:rPr>
+              <a:t>出大愛 </a:t>
             </a:r>
             <a:endParaRPr lang="en-US" altLang="zh-TW" sz="5400" b="1" dirty="0" smtClean="0">
               <a:latin typeface="Microsoft JhengHei" panose="020B0604030504040204" pitchFamily="34" charset="-120"/>
@@ -3185,7 +3204,21 @@
                 <a:latin typeface="Microsoft JhengHei" panose="020B0604030504040204" pitchFamily="34" charset="-120"/>
                 <a:ea typeface="Microsoft JhengHei" panose="020B0604030504040204" pitchFamily="34" charset="-120"/>
               </a:rPr>
-              <a:t>捨棄 已被擘開 </a:t>
+              <a:t>捨棄 </a:t>
+            </a:r>
+            <a:r>
+              <a:rPr lang="zh-TW" altLang="en-US" sz="5400" b="1" dirty="0" smtClean="0">
+                <a:latin typeface="Microsoft JhengHei" panose="020B0604030504040204" pitchFamily="34" charset="-120"/>
+                <a:ea typeface="Microsoft JhengHei" panose="020B0604030504040204" pitchFamily="34" charset="-120"/>
+              </a:rPr>
+              <a:t> 已</a:t>
+            </a:r>
+            <a:r>
+              <a:rPr lang="zh-TW" altLang="en-US" sz="5400" b="1" dirty="0">
+                <a:latin typeface="Microsoft JhengHei" panose="020B0604030504040204" pitchFamily="34" charset="-120"/>
+                <a:ea typeface="Microsoft JhengHei" panose="020B0604030504040204" pitchFamily="34" charset="-120"/>
+              </a:rPr>
+              <a:t>被擘開 </a:t>
             </a:r>
             <a:endParaRPr lang="en-US" altLang="zh-TW" sz="5400" b="1" dirty="0" smtClean="0">
               <a:latin typeface="Microsoft JhengHei" panose="020B0604030504040204" pitchFamily="34" charset="-120"/>
@@ -3208,7 +3241,21 @@
                 <a:latin typeface="Microsoft JhengHei" panose="020B0604030504040204" pitchFamily="34" charset="-120"/>
                 <a:ea typeface="Microsoft JhengHei" panose="020B0604030504040204" pitchFamily="34" charset="-120"/>
               </a:rPr>
-              <a:t>擔起痛楚 十架路甘心走過 </a:t>
+              <a:t>擔起痛楚 </a:t>
+            </a:r>
+            <a:r>
+              <a:rPr lang="zh-TW" altLang="en-US" sz="5400" b="1" dirty="0" smtClean="0">
+                <a:latin typeface="Microsoft JhengHei" panose="020B0604030504040204" pitchFamily="34" charset="-120"/>
+                <a:ea typeface="Microsoft JhengHei" panose="020B0604030504040204" pitchFamily="34" charset="-120"/>
+              </a:rPr>
+              <a:t> 十</a:t>
+            </a:r>
+            <a:r>
+              <a:rPr lang="zh-TW" altLang="en-US" sz="5400" b="1" dirty="0">
+                <a:latin typeface="Microsoft JhengHei" panose="020B0604030504040204" pitchFamily="34" charset="-120"/>
+                <a:ea typeface="Microsoft JhengHei" panose="020B0604030504040204" pitchFamily="34" charset="-120"/>
+              </a:rPr>
+              <a:t>架路甘心走過 </a:t>
             </a:r>
             <a:endParaRPr lang="en-US" altLang="zh-TW" sz="5400" b="1" dirty="0" smtClean="0">
               <a:latin typeface="Microsoft JhengHei" panose="020B0604030504040204" pitchFamily="34" charset="-120"/>
@@ -3324,7 +3371,21 @@
                 <a:latin typeface="Microsoft JhengHei" panose="020B0604030504040204" pitchFamily="34" charset="-120"/>
                 <a:ea typeface="Microsoft JhengHei" panose="020B0604030504040204" pitchFamily="34" charset="-120"/>
               </a:rPr>
-              <a:t>能相愛 皆因被愛 </a:t>
+              <a:t>能相愛 </a:t>
+            </a:r>
+            <a:r>
+              <a:rPr lang="zh-TW" altLang="en-US" sz="5400" b="1" dirty="0" smtClean="0">
+                <a:latin typeface="Microsoft JhengHei" panose="020B0604030504040204" pitchFamily="34" charset="-120"/>
+                <a:ea typeface="Microsoft JhengHei" panose="020B0604030504040204" pitchFamily="34" charset="-120"/>
+              </a:rPr>
+              <a:t> 皆</a:t>
+            </a:r>
+            <a:r>
+              <a:rPr lang="zh-TW" altLang="en-US" sz="5400" b="1" dirty="0">
+                <a:latin typeface="Microsoft JhengHei" panose="020B0604030504040204" pitchFamily="34" charset="-120"/>
+                <a:ea typeface="Microsoft JhengHei" panose="020B0604030504040204" pitchFamily="34" charset="-120"/>
+              </a:rPr>
+              <a:t>因被愛 </a:t>
             </a:r>
             <a:endParaRPr lang="en-US" altLang="zh-TW" sz="5400" b="1" dirty="0">
               <a:latin typeface="Microsoft JhengHei" panose="020B0604030504040204" pitchFamily="34" charset="-120"/>
@@ -3340,14 +3401,21 @@
                 <a:latin typeface="Microsoft JhengHei" panose="020B0604030504040204" pitchFamily="34" charset="-120"/>
                 <a:ea typeface="Microsoft JhengHei" panose="020B0604030504040204" pitchFamily="34" charset="-120"/>
               </a:rPr>
-              <a:t>能</a:t>
+              <a:t>能醒</a:t>
+            </a:r>
+            <a:r>
+              <a:rPr lang="zh-TW" altLang="en-US" sz="5400" b="1" dirty="0" smtClean="0">
+                <a:latin typeface="Microsoft JhengHei" panose="020B0604030504040204" pitchFamily="34" charset="-120"/>
+                <a:ea typeface="Microsoft JhengHei" panose="020B0604030504040204" pitchFamily="34" charset="-120"/>
+              </a:rPr>
+              <a:t>覺  </a:t>
             </a:r>
             <a:r>
               <a:rPr lang="zh-TW" altLang="en-US" sz="5400" b="1" dirty="0">
                 <a:latin typeface="Microsoft JhengHei" panose="020B0604030504040204" pitchFamily="34" charset="-120"/>
                 <a:ea typeface="Microsoft JhengHei" panose="020B0604030504040204" pitchFamily="34" charset="-120"/>
               </a:rPr>
-              <a:t>醒覺 要被拆改 </a:t>
+              <a:t>要被拆改 </a:t>
             </a:r>
             <a:endParaRPr lang="en-US" altLang="zh-TW" sz="5400" b="1" dirty="0">
               <a:latin typeface="Microsoft JhengHei" panose="020B0604030504040204" pitchFamily="34" charset="-120"/>
@@ -3363,14 +3431,21 @@
                 <a:latin typeface="Microsoft JhengHei" panose="020B0604030504040204" pitchFamily="34" charset="-120"/>
                 <a:ea typeface="Microsoft JhengHei" panose="020B0604030504040204" pitchFamily="34" charset="-120"/>
               </a:rPr>
-              <a:t>能</a:t>
+              <a:t>能穿起救</a:t>
+            </a:r>
+            <a:r>
+              <a:rPr lang="zh-TW" altLang="en-US" sz="5400" b="1" dirty="0" smtClean="0">
+                <a:latin typeface="Microsoft JhengHei" panose="020B0604030504040204" pitchFamily="34" charset="-120"/>
+                <a:ea typeface="Microsoft JhengHei" panose="020B0604030504040204" pitchFamily="34" charset="-120"/>
+              </a:rPr>
+              <a:t>恩  </a:t>
             </a:r>
             <a:r>
               <a:rPr lang="zh-TW" altLang="en-US" sz="5400" b="1" dirty="0">
                 <a:latin typeface="Microsoft JhengHei" panose="020B0604030504040204" pitchFamily="34" charset="-120"/>
                 <a:ea typeface="Microsoft JhengHei" panose="020B0604030504040204" pitchFamily="34" charset="-120"/>
               </a:rPr>
-              <a:t>穿起救恩 踏上基督的足印 </a:t>
+              <a:t>踏上基督的足印 </a:t>
             </a:r>
             <a:endParaRPr lang="en-US" altLang="zh-TW" sz="5400" b="1" dirty="0">
               <a:latin typeface="Microsoft JhengHei" panose="020B0604030504040204" pitchFamily="34" charset="-120"/>
@@ -3386,14 +3461,7 @@
                 <a:latin typeface="Microsoft JhengHei" panose="020B0604030504040204" pitchFamily="34" charset="-120"/>
                 <a:ea typeface="Microsoft JhengHei" panose="020B0604030504040204" pitchFamily="34" charset="-120"/>
               </a:rPr>
-              <a:t>延</a:t>
-            </a:r>
-            <a:r>
-              <a:rPr lang="zh-TW" altLang="en-US" sz="5400" b="1" dirty="0">
-                <a:latin typeface="Microsoft JhengHei" panose="020B0604030504040204" pitchFamily="34" charset="-120"/>
-                <a:ea typeface="Microsoft JhengHei" panose="020B0604030504040204" pitchFamily="34" charset="-120"/>
-              </a:rPr>
-              <a:t>伸主愛 進入人海</a:t>
+              <a:t>延伸主愛 進入人海</a:t>
             </a:r>
             <a:endParaRPr lang="vi-VN" sz="5400" b="1" dirty="0">
               <a:latin typeface="Microsoft JhengHei" panose="020B0604030504040204" pitchFamily="34" charset="-120"/>
@@ -3487,7 +3555,21 @@
                 <a:latin typeface="Microsoft JhengHei" panose="020B0604030504040204" pitchFamily="34" charset="-120"/>
                 <a:ea typeface="Microsoft JhengHei" panose="020B0604030504040204" pitchFamily="34" charset="-120"/>
               </a:rPr>
-              <a:t>立志今擺上 傳揚耶穌 </a:t>
+              <a:t>立志今擺上 </a:t>
+            </a:r>
+            <a:r>
+              <a:rPr lang="zh-TW" altLang="en-US" sz="5400" b="1" dirty="0" smtClean="0">
+                <a:latin typeface="Microsoft JhengHei" panose="020B0604030504040204" pitchFamily="34" charset="-120"/>
+                <a:ea typeface="Microsoft JhengHei" panose="020B0604030504040204" pitchFamily="34" charset="-120"/>
+              </a:rPr>
+              <a:t> 傳</a:t>
+            </a:r>
+            <a:r>
+              <a:rPr lang="zh-TW" altLang="en-US" sz="5400" b="1" dirty="0">
+                <a:latin typeface="Microsoft JhengHei" panose="020B0604030504040204" pitchFamily="34" charset="-120"/>
+                <a:ea typeface="Microsoft JhengHei" panose="020B0604030504040204" pitchFamily="34" charset="-120"/>
+              </a:rPr>
+              <a:t>揚耶穌 </a:t>
             </a:r>
             <a:endParaRPr lang="en-US" altLang="zh-TW" sz="5400" b="1" dirty="0">
               <a:latin typeface="Microsoft JhengHei" panose="020B0604030504040204" pitchFamily="34" charset="-120"/>
@@ -3503,14 +3585,21 @@
                 <a:latin typeface="Microsoft JhengHei" panose="020B0604030504040204" pitchFamily="34" charset="-120"/>
                 <a:ea typeface="Microsoft JhengHei" panose="020B0604030504040204" pitchFamily="34" charset="-120"/>
               </a:rPr>
-              <a:t>用</a:t>
+              <a:t>用我的恩</a:t>
+            </a:r>
+            <a:r>
+              <a:rPr lang="zh-TW" altLang="en-US" sz="5400" b="1" dirty="0" smtClean="0">
+                <a:latin typeface="Microsoft JhengHei" panose="020B0604030504040204" pitchFamily="34" charset="-120"/>
+                <a:ea typeface="Microsoft JhengHei" panose="020B0604030504040204" pitchFamily="34" charset="-120"/>
+              </a:rPr>
+              <a:t>賜  </a:t>
             </a:r>
             <a:r>
               <a:rPr lang="zh-TW" altLang="en-US" sz="5400" b="1" dirty="0">
                 <a:latin typeface="Microsoft JhengHei" panose="020B0604030504040204" pitchFamily="34" charset="-120"/>
                 <a:ea typeface="Microsoft JhengHei" panose="020B0604030504040204" pitchFamily="34" charset="-120"/>
               </a:rPr>
-              <a:t>我的恩賜 獻上最好 </a:t>
+              <a:t>獻上最好 </a:t>
             </a:r>
             <a:endParaRPr lang="en-US" altLang="zh-TW" sz="5400" b="1" dirty="0">
               <a:latin typeface="Microsoft JhengHei" panose="020B0604030504040204" pitchFamily="34" charset="-120"/>
@@ -3526,14 +3615,7 @@
                 <a:latin typeface="Microsoft JhengHei" panose="020B0604030504040204" pitchFamily="34" charset="-120"/>
                 <a:ea typeface="Microsoft JhengHei" panose="020B0604030504040204" pitchFamily="34" charset="-120"/>
               </a:rPr>
-              <a:t>讓</a:t>
-            </a:r>
-            <a:r>
-              <a:rPr lang="zh-TW" altLang="en-US" sz="5400" b="1" dirty="0">
-                <a:latin typeface="Microsoft JhengHei" panose="020B0604030504040204" pitchFamily="34" charset="-120"/>
-                <a:ea typeface="Microsoft JhengHei" panose="020B0604030504040204" pitchFamily="34" charset="-120"/>
-              </a:rPr>
-              <a:t>我謙卑作祢僕人 </a:t>
+              <a:t>讓我謙卑作祢僕人 </a:t>
             </a:r>
             <a:endParaRPr lang="en-US" altLang="zh-TW" sz="5400" b="1" dirty="0">
               <a:latin typeface="Microsoft JhengHei" panose="020B0604030504040204" pitchFamily="34" charset="-120"/>
@@ -3549,14 +3631,7 @@
                 <a:latin typeface="Microsoft JhengHei" panose="020B0604030504040204" pitchFamily="34" charset="-120"/>
                 <a:ea typeface="Microsoft JhengHei" panose="020B0604030504040204" pitchFamily="34" charset="-120"/>
               </a:rPr>
-              <a:t>存</a:t>
-            </a:r>
-            <a:r>
-              <a:rPr lang="zh-TW" altLang="en-US" sz="5400" b="1" dirty="0">
-                <a:latin typeface="Microsoft JhengHei" panose="020B0604030504040204" pitchFamily="34" charset="-120"/>
-                <a:ea typeface="Microsoft JhengHei" panose="020B0604030504040204" pitchFamily="34" charset="-120"/>
-              </a:rPr>
-              <a:t>著敬畏去事奉神 </a:t>
+              <a:t>存著敬畏去事奉神 </a:t>
             </a:r>
             <a:endParaRPr lang="en-US" altLang="zh-TW" sz="5400" b="1" dirty="0">
               <a:latin typeface="Microsoft JhengHei" panose="020B0604030504040204" pitchFamily="34" charset="-120"/>
@@ -3572,14 +3647,21 @@
                 <a:latin typeface="Microsoft JhengHei" panose="020B0604030504040204" pitchFamily="34" charset="-120"/>
                 <a:ea typeface="Microsoft JhengHei" panose="020B0604030504040204" pitchFamily="34" charset="-120"/>
               </a:rPr>
-              <a:t>全</a:t>
+              <a:t>全是祢恩典覆</a:t>
+            </a:r>
+            <a:r>
+              <a:rPr lang="zh-TW" altLang="en-US" sz="5400" b="1" dirty="0" smtClean="0">
+                <a:latin typeface="Microsoft JhengHei" panose="020B0604030504040204" pitchFamily="34" charset="-120"/>
+                <a:ea typeface="Microsoft JhengHei" panose="020B0604030504040204" pitchFamily="34" charset="-120"/>
+              </a:rPr>
+              <a:t>蓋  </a:t>
             </a:r>
             <a:r>
               <a:rPr lang="zh-TW" altLang="en-US" sz="5400" b="1" dirty="0">
                 <a:latin typeface="Microsoft JhengHei" panose="020B0604030504040204" pitchFamily="34" charset="-120"/>
                 <a:ea typeface="Microsoft JhengHei" panose="020B0604030504040204" pitchFamily="34" charset="-120"/>
               </a:rPr>
-              <a:t>是祢恩典覆蓋 每步亮明燈</a:t>
+              <a:t>每步亮明燈</a:t>
             </a:r>
             <a:endParaRPr lang="vi-VN" sz="5400" b="1" dirty="0">
               <a:latin typeface="Microsoft JhengHei" panose="020B0604030504040204" pitchFamily="34" charset="-120"/>
@@ -3673,7 +3755,21 @@
                 <a:latin typeface="Microsoft JhengHei" panose="020B0604030504040204" pitchFamily="34" charset="-120"/>
                 <a:ea typeface="Microsoft JhengHei" panose="020B0604030504040204" pitchFamily="34" charset="-120"/>
               </a:rPr>
-              <a:t>在祢恩手裡 滿布雲彩 </a:t>
+              <a:t>在祢恩手</a:t>
+            </a:r>
+            <a:r>
+              <a:rPr lang="zh-TW" altLang="en-US" sz="5400" b="1" dirty="0" smtClean="0">
+                <a:latin typeface="Microsoft JhengHei" panose="020B0604030504040204" pitchFamily="34" charset="-120"/>
+                <a:ea typeface="Microsoft JhengHei" panose="020B0604030504040204" pitchFamily="34" charset="-120"/>
+              </a:rPr>
+              <a:t>裡  </a:t>
+            </a:r>
+            <a:r>
+              <a:rPr lang="zh-TW" altLang="en-US" sz="5400" b="1" dirty="0">
+                <a:latin typeface="Microsoft JhengHei" panose="020B0604030504040204" pitchFamily="34" charset="-120"/>
+                <a:ea typeface="Microsoft JhengHei" panose="020B0604030504040204" pitchFamily="34" charset="-120"/>
+              </a:rPr>
+              <a:t>滿布雲彩 </a:t>
             </a:r>
             <a:endParaRPr lang="en-US" altLang="zh-TW" sz="5400" b="1" dirty="0">
               <a:latin typeface="Microsoft JhengHei" panose="020B0604030504040204" pitchFamily="34" charset="-120"/>
@@ -3689,14 +3785,21 @@
                 <a:latin typeface="Microsoft JhengHei" panose="020B0604030504040204" pitchFamily="34" charset="-120"/>
                 <a:ea typeface="Microsoft JhengHei" panose="020B0604030504040204" pitchFamily="34" charset="-120"/>
               </a:rPr>
-              <a:t>效</a:t>
+              <a:t>效法基督愛 </a:t>
+            </a:r>
+            <a:r>
+              <a:rPr lang="zh-TW" altLang="en-US" sz="5400" b="1" dirty="0" smtClean="0">
+                <a:latin typeface="Microsoft JhengHei" panose="020B0604030504040204" pitchFamily="34" charset="-120"/>
+                <a:ea typeface="Microsoft JhengHei" panose="020B0604030504040204" pitchFamily="34" charset="-120"/>
+              </a:rPr>
+              <a:t> 眼</a:t>
             </a:r>
             <a:r>
               <a:rPr lang="zh-TW" altLang="en-US" sz="5400" b="1" dirty="0">
                 <a:latin typeface="Microsoft JhengHei" panose="020B0604030504040204" pitchFamily="34" charset="-120"/>
                 <a:ea typeface="Microsoft JhengHei" panose="020B0604030504040204" pitchFamily="34" charset="-120"/>
               </a:rPr>
-              <a:t>法基督愛 眼界變改 </a:t>
+              <a:t>界變改 </a:t>
             </a:r>
             <a:endParaRPr lang="en-US" altLang="zh-TW" sz="5400" b="1" dirty="0">
               <a:latin typeface="Microsoft JhengHei" panose="020B0604030504040204" pitchFamily="34" charset="-120"/>
@@ -3712,14 +3815,7 @@
                 <a:latin typeface="Microsoft JhengHei" panose="020B0604030504040204" pitchFamily="34" charset="-120"/>
                 <a:ea typeface="Microsoft JhengHei" panose="020B0604030504040204" pitchFamily="34" charset="-120"/>
               </a:rPr>
-              <a:t>願</a:t>
-            </a:r>
-            <a:r>
-              <a:rPr lang="zh-TW" altLang="en-US" sz="5400" b="1" dirty="0">
-                <a:latin typeface="Microsoft JhengHei" panose="020B0604030504040204" pitchFamily="34" charset="-120"/>
-                <a:ea typeface="Microsoft JhengHei" panose="020B0604030504040204" pitchFamily="34" charset="-120"/>
-              </a:rPr>
-              <a:t>鴿子天際降下來 </a:t>
+              <a:t>願鴿子天際降下來 </a:t>
             </a:r>
             <a:endParaRPr lang="en-US" altLang="zh-TW" sz="5400" b="1" dirty="0">
               <a:latin typeface="Microsoft JhengHei" panose="020B0604030504040204" pitchFamily="34" charset="-120"/>
@@ -3735,14 +3831,7 @@
                 <a:latin typeface="Microsoft JhengHei" panose="020B0604030504040204" pitchFamily="34" charset="-120"/>
                 <a:ea typeface="Microsoft JhengHei" panose="020B0604030504040204" pitchFamily="34" charset="-120"/>
               </a:rPr>
-              <a:t>陶</a:t>
-            </a:r>
-            <a:r>
-              <a:rPr lang="zh-TW" altLang="en-US" sz="5400" b="1" dirty="0">
-                <a:latin typeface="Microsoft JhengHei" panose="020B0604030504040204" pitchFamily="34" charset="-120"/>
-                <a:ea typeface="Microsoft JhengHei" panose="020B0604030504040204" pitchFamily="34" charset="-120"/>
-              </a:rPr>
-              <a:t>造我裡面能盛載 神豐足的厚愛</a:t>
+              <a:t>陶造我裡面能盛載 神豐足的厚愛</a:t>
             </a:r>
             <a:endParaRPr lang="vi-VN" sz="5400" b="1" dirty="0">
               <a:latin typeface="Microsoft JhengHei" panose="020B0604030504040204" pitchFamily="34" charset="-120"/>
